--- a/04-OLAPandVisualization/05-slides.pptx
+++ b/04-OLAPandVisualization/05-slides.pptx
@@ -328,7 +328,7 @@
                 </a:lnSpc>
                 <a:defRPr/>
               </a:pPr>
-              <a:t>‹#›</a:t>
+              <a:t>‹N›</a:t>
             </a:fld>
             <a:endParaRPr lang="it-IT" sz="1300">
               <a:cs typeface="+mn-cs"/>
@@ -553,7 +553,7 @@
                 </a:lnSpc>
                 <a:defRPr/>
               </a:pPr>
-              <a:t>‹#›</a:t>
+              <a:t>‹N›</a:t>
             </a:fld>
             <a:endParaRPr lang="it-IT" sz="1300">
               <a:cs typeface="+mn-cs"/>
@@ -2317,7 +2317,7 @@
           <a:p>
             <a:fld id="{5DD6F1BA-2510-46FC-9346-AB1F3CA1593B}" type="slidenum">
               <a:rPr lang="it-IT" smtClean="0"/>
-              <a:t>‹#›</a:t>
+              <a:t>‹N›</a:t>
             </a:fld>
             <a:endParaRPr lang="it-IT"/>
           </a:p>
@@ -2586,7 +2586,7 @@
           <a:p>
             <a:fld id="{5DD6F1BA-2510-46FC-9346-AB1F3CA1593B}" type="slidenum">
               <a:rPr lang="it-IT" smtClean="0"/>
-              <a:t>‹#›</a:t>
+              <a:t>‹N›</a:t>
             </a:fld>
             <a:endParaRPr lang="it-IT"/>
           </a:p>
@@ -2770,7 +2770,7 @@
           <a:p>
             <a:fld id="{5DD6F1BA-2510-46FC-9346-AB1F3CA1593B}" type="slidenum">
               <a:rPr lang="it-IT" smtClean="0"/>
-              <a:t>‹#›</a:t>
+              <a:t>‹N›</a:t>
             </a:fld>
             <a:endParaRPr lang="it-IT"/>
           </a:p>
@@ -2959,7 +2959,7 @@
           <a:p>
             <a:fld id="{5DD6F1BA-2510-46FC-9346-AB1F3CA1593B}" type="slidenum">
               <a:rPr lang="it-IT" smtClean="0"/>
-              <a:t>‹#›</a:t>
+              <a:t>‹N›</a:t>
             </a:fld>
             <a:endParaRPr lang="it-IT"/>
           </a:p>
@@ -3129,7 +3129,7 @@
           <a:p>
             <a:fld id="{629637A9-119A-49DA-BD12-AAC58B377D80}" type="slidenum">
               <a:rPr lang="en-US" smtClean="0"/>
-              <a:t>‹#›</a:t>
+              <a:t>‹N›</a:t>
             </a:fld>
             <a:endParaRPr lang="en-US" dirty="0"/>
           </a:p>
@@ -3483,7 +3483,7 @@
           <a:p>
             <a:fld id="{5DD6F1BA-2510-46FC-9346-AB1F3CA1593B}" type="slidenum">
               <a:rPr lang="it-IT" smtClean="0"/>
-              <a:t>‹#›</a:t>
+              <a:t>‹N›</a:t>
             </a:fld>
             <a:endParaRPr lang="it-IT"/>
           </a:p>
@@ -3702,7 +3702,7 @@
           <a:p>
             <a:fld id="{5DD6F1BA-2510-46FC-9346-AB1F3CA1593B}" type="slidenum">
               <a:rPr lang="it-IT" smtClean="0"/>
-              <a:t>‹#›</a:t>
+              <a:t>‹N›</a:t>
             </a:fld>
             <a:endParaRPr lang="it-IT"/>
           </a:p>
@@ -3891,7 +3891,7 @@
           <a:p>
             <a:fld id="{5DD6F1BA-2510-46FC-9346-AB1F3CA1593B}" type="slidenum">
               <a:rPr lang="it-IT" smtClean="0"/>
-              <a:t>‹#›</a:t>
+              <a:t>‹N›</a:t>
             </a:fld>
             <a:endParaRPr lang="it-IT"/>
           </a:p>
@@ -4247,7 +4247,7 @@
           <a:p>
             <a:fld id="{5DD6F1BA-2510-46FC-9346-AB1F3CA1593B}" type="slidenum">
               <a:rPr lang="it-IT" smtClean="0"/>
-              <a:t>‹#›</a:t>
+              <a:t>‹N›</a:t>
             </a:fld>
             <a:endParaRPr lang="it-IT"/>
           </a:p>
@@ -4494,7 +4494,7 @@
           <a:p>
             <a:fld id="{5DD6F1BA-2510-46FC-9346-AB1F3CA1593B}" type="slidenum">
               <a:rPr lang="it-IT" smtClean="0"/>
-              <a:t>‹#›</a:t>
+              <a:t>‹N›</a:t>
             </a:fld>
             <a:endParaRPr lang="it-IT"/>
           </a:p>
@@ -4922,7 +4922,7 @@
           <a:p>
             <a:fld id="{5DD6F1BA-2510-46FC-9346-AB1F3CA1593B}" type="slidenum">
               <a:rPr lang="it-IT" smtClean="0"/>
-              <a:t>‹#›</a:t>
+              <a:t>‹N›</a:t>
             </a:fld>
             <a:endParaRPr lang="it-IT"/>
           </a:p>
@@ -5046,7 +5046,7 @@
           <a:p>
             <a:fld id="{5DD6F1BA-2510-46FC-9346-AB1F3CA1593B}" type="slidenum">
               <a:rPr lang="it-IT" smtClean="0"/>
-              <a:t>‹#›</a:t>
+              <a:t>‹N›</a:t>
             </a:fld>
             <a:endParaRPr lang="it-IT"/>
           </a:p>
@@ -5167,7 +5167,7 @@
           <a:p>
             <a:fld id="{5DD6F1BA-2510-46FC-9346-AB1F3CA1593B}" type="slidenum">
               <a:rPr lang="it-IT" smtClean="0"/>
-              <a:t>‹#›</a:t>
+              <a:t>‹N›</a:t>
             </a:fld>
             <a:endParaRPr lang="it-IT"/>
           </a:p>
@@ -5420,7 +5420,7 @@
             <a:fld id="{5DD6F1BA-2510-46FC-9346-AB1F3CA1593B}" type="slidenum">
               <a:rPr lang="en-US" smtClean="0"/>
               <a:pPr/>
-              <a:t>‹#›</a:t>
+              <a:t>‹N›</a:t>
             </a:fld>
             <a:endParaRPr lang="en-US" dirty="0"/>
           </a:p>
@@ -6668,11 +6668,7 @@
           <a:p>
             <a:r>
               <a:rPr lang="it-IT" dirty="0"/>
-              <a:t>OLAP and </a:t>
-            </a:r>
-            <a:r>
-              <a:rPr lang="it-IT" dirty="0" err="1"/>
-              <a:t>visualization</a:t>
+              <a:t>Self-service BI</a:t>
             </a:r>
             <a:endParaRPr lang="en-US" dirty="0"/>
           </a:p>
@@ -13885,7 +13881,7 @@
             </a:r>
             <a:r>
               <a:rPr lang="it-IT" dirty="0"/>
-              <a:t> Text File (DSV)</a:t>
+              <a:t> Text File (CSV)</a:t>
             </a:r>
             <a:endParaRPr lang="en-GB" dirty="0"/>
           </a:p>
@@ -13995,6 +13991,7 @@
         <p:nvCxnSpPr>
           <p:cNvPr id="8" name="Connettore 1 7"/>
           <p:cNvCxnSpPr>
+            <a:cxnSpLocks/>
             <a:stCxn id="7" idx="2"/>
             <a:endCxn id="17" idx="0"/>
           </p:cNvCxnSpPr>
@@ -14002,8 +13999,8 @@
         </p:nvCxnSpPr>
         <p:spPr>
           <a:xfrm flipH="1">
-            <a:off x="1264002" y="3600450"/>
-            <a:ext cx="531460" cy="690532"/>
+            <a:off x="1318096" y="3600450"/>
+            <a:ext cx="477366" cy="690532"/>
           </a:xfrm>
           <a:prstGeom prst="line">
             <a:avLst/>
@@ -14038,7 +14035,7 @@
         <p:spPr>
           <a:xfrm>
             <a:off x="428624" y="4290982"/>
-            <a:ext cx="1670756" cy="400110"/>
+            <a:ext cx="1778944" cy="400110"/>
           </a:xfrm>
           <a:prstGeom prst="rect">
             <a:avLst/>
@@ -15940,15 +15937,7 @@
             </a:r>
             <a:r>
               <a:rPr lang="it-IT" dirty="0"/>
-              <a:t> custom </a:t>
-            </a:r>
-            <a:r>
-              <a:rPr lang="it-IT" dirty="0" err="1"/>
-              <a:t>query</a:t>
-            </a:r>
-            <a:r>
-              <a:rPr lang="it-IT" dirty="0"/>
-              <a:t> can </a:t>
+              <a:t> custom query can </a:t>
             </a:r>
             <a:r>
               <a:rPr lang="it-IT" dirty="0" err="1"/>
@@ -15978,6 +15967,24 @@
               <a:rPr lang="it-IT" dirty="0" err="1"/>
               <a:t>tables</a:t>
             </a:r>
+            <a:br>
+              <a:rPr lang="it-IT" dirty="0"/>
+            </a:br>
+            <a:br>
+              <a:rPr lang="it-IT" dirty="0"/>
+            </a:br>
+            <a:br>
+              <a:rPr lang="it-IT" dirty="0"/>
+            </a:br>
+            <a:br>
+              <a:rPr lang="it-IT" dirty="0"/>
+            </a:br>
+            <a:br>
+              <a:rPr lang="it-IT" dirty="0"/>
+            </a:br>
+            <a:br>
+              <a:rPr lang="it-IT" dirty="0"/>
+            </a:br>
             <a:endParaRPr lang="en-GB" dirty="0"/>
           </a:p>
         </p:txBody>
